--- a/_book/plot/ss-q12-bar-1.pptx
+++ b/_book/plot/ss-q12-bar-1.pptx
@@ -3192,8 +3192,8 @@
           </p:nvSpPr>
           <p:spPr>
             <a:xfrm>
-              <a:off x="3544434" y="2003481"/>
-              <a:ext cx="1996201" cy="997555"/>
+              <a:off x="3542691" y="2003481"/>
+              <a:ext cx="1997944" cy="1001252"/>
             </a:xfrm>
             <a:prstGeom prst="rect">
               <a:avLst/>
@@ -3218,15 +3218,15 @@
           </p:nvSpPr>
           <p:spPr>
             <a:xfrm>
-              <a:off x="3773706" y="2003481"/>
-              <a:ext cx="0" cy="997555"/>
+              <a:off x="3772162" y="2003481"/>
+              <a:ext cx="0" cy="1001252"/>
             </a:xfrm>
             <a:custGeom>
               <a:avLst/>
               <a:pathLst>
-                <a:path w="0" h="997555">
+                <a:path w="0" h="1001252">
                   <a:moveTo>
-                    <a:pt x="0" y="997555"/>
+                    <a:pt x="0" y="1001252"/>
                   </a:moveTo>
                   <a:lnTo>
                     <a:pt x="0" y="0"/>
@@ -3261,15 +3261,15 @@
           </p:nvSpPr>
           <p:spPr>
             <a:xfrm>
-              <a:off x="4232248" y="2003481"/>
-              <a:ext cx="0" cy="997555"/>
+              <a:off x="4231105" y="2003481"/>
+              <a:ext cx="0" cy="1001252"/>
             </a:xfrm>
             <a:custGeom>
               <a:avLst/>
               <a:pathLst>
-                <a:path w="0" h="997555">
+                <a:path w="0" h="1001252">
                   <a:moveTo>
-                    <a:pt x="0" y="997555"/>
+                    <a:pt x="0" y="1001252"/>
                   </a:moveTo>
                   <a:lnTo>
                     <a:pt x="0" y="0"/>
@@ -3304,15 +3304,15 @@
           </p:nvSpPr>
           <p:spPr>
             <a:xfrm>
-              <a:off x="4690791" y="2003481"/>
-              <a:ext cx="0" cy="997555"/>
+              <a:off x="4690049" y="2003481"/>
+              <a:ext cx="0" cy="1001252"/>
             </a:xfrm>
             <a:custGeom>
               <a:avLst/>
               <a:pathLst>
-                <a:path w="0" h="997555">
+                <a:path w="0" h="1001252">
                   <a:moveTo>
-                    <a:pt x="0" y="997555"/>
+                    <a:pt x="0" y="1001252"/>
                   </a:moveTo>
                   <a:lnTo>
                     <a:pt x="0" y="0"/>
@@ -3347,15 +3347,15 @@
           </p:nvSpPr>
           <p:spPr>
             <a:xfrm>
-              <a:off x="5149334" y="2003481"/>
-              <a:ext cx="0" cy="997555"/>
+              <a:off x="5148992" y="2003481"/>
+              <a:ext cx="0" cy="1001252"/>
             </a:xfrm>
             <a:custGeom>
               <a:avLst/>
               <a:pathLst>
-                <a:path w="0" h="997555">
+                <a:path w="0" h="1001252">
                   <a:moveTo>
-                    <a:pt x="0" y="997555"/>
+                    <a:pt x="0" y="1001252"/>
                   </a:moveTo>
                   <a:lnTo>
                     <a:pt x="0" y="0"/>
@@ -3390,21 +3390,21 @@
           </p:nvSpPr>
           <p:spPr>
             <a:xfrm>
-              <a:off x="3544434" y="2858529"/>
-              <a:ext cx="1996201" cy="0"/>
+              <a:off x="3542691" y="2861698"/>
+              <a:ext cx="1997944" cy="0"/>
             </a:xfrm>
             <a:custGeom>
               <a:avLst/>
               <a:pathLst>
-                <a:path w="1996201" h="0">
+                <a:path w="1997944" h="0">
                   <a:moveTo>
                     <a:pt x="0" y="0"/>
                   </a:moveTo>
                   <a:lnTo>
-                    <a:pt x="1996201" y="0"/>
-                  </a:lnTo>
-                  <a:lnTo>
-                    <a:pt x="1996201" y="0"/>
+                    <a:pt x="1997944" y="0"/>
+                  </a:lnTo>
+                  <a:lnTo>
+                    <a:pt x="1997944" y="0"/>
                   </a:lnTo>
                 </a:path>
               </a:pathLst>
@@ -3433,21 +3433,21 @@
           </p:nvSpPr>
           <p:spPr>
             <a:xfrm>
-              <a:off x="3544434" y="2621016"/>
-              <a:ext cx="1996201" cy="0"/>
+              <a:off x="3542691" y="2623304"/>
+              <a:ext cx="1997944" cy="0"/>
             </a:xfrm>
             <a:custGeom>
               <a:avLst/>
               <a:pathLst>
-                <a:path w="1996201" h="0">
+                <a:path w="1997944" h="0">
                   <a:moveTo>
                     <a:pt x="0" y="0"/>
                   </a:moveTo>
                   <a:lnTo>
-                    <a:pt x="1996201" y="0"/>
-                  </a:lnTo>
-                  <a:lnTo>
-                    <a:pt x="1996201" y="0"/>
+                    <a:pt x="1997944" y="0"/>
+                  </a:lnTo>
+                  <a:lnTo>
+                    <a:pt x="1997944" y="0"/>
                   </a:lnTo>
                 </a:path>
               </a:pathLst>
@@ -3476,21 +3476,21 @@
           </p:nvSpPr>
           <p:spPr>
             <a:xfrm>
-              <a:off x="3544434" y="2383502"/>
-              <a:ext cx="1996201" cy="0"/>
+              <a:off x="3542691" y="2384911"/>
+              <a:ext cx="1997944" cy="0"/>
             </a:xfrm>
             <a:custGeom>
               <a:avLst/>
               <a:pathLst>
-                <a:path w="1996201" h="0">
+                <a:path w="1997944" h="0">
                   <a:moveTo>
                     <a:pt x="0" y="0"/>
                   </a:moveTo>
                   <a:lnTo>
-                    <a:pt x="1996201" y="0"/>
-                  </a:lnTo>
-                  <a:lnTo>
-                    <a:pt x="1996201" y="0"/>
+                    <a:pt x="1997944" y="0"/>
+                  </a:lnTo>
+                  <a:lnTo>
+                    <a:pt x="1997944" y="0"/>
                   </a:lnTo>
                 </a:path>
               </a:pathLst>
@@ -3519,21 +3519,21 @@
           </p:nvSpPr>
           <p:spPr>
             <a:xfrm>
-              <a:off x="3544434" y="2145989"/>
-              <a:ext cx="1996201" cy="0"/>
+              <a:off x="3542691" y="2146517"/>
+              <a:ext cx="1997944" cy="0"/>
             </a:xfrm>
             <a:custGeom>
               <a:avLst/>
               <a:pathLst>
-                <a:path w="1996201" h="0">
+                <a:path w="1997944" h="0">
                   <a:moveTo>
                     <a:pt x="0" y="0"/>
                   </a:moveTo>
                   <a:lnTo>
-                    <a:pt x="1996201" y="0"/>
-                  </a:lnTo>
-                  <a:lnTo>
-                    <a:pt x="1996201" y="0"/>
+                    <a:pt x="1997944" y="0"/>
+                  </a:lnTo>
+                  <a:lnTo>
+                    <a:pt x="1997944" y="0"/>
                   </a:lnTo>
                 </a:path>
               </a:pathLst>
@@ -3562,15 +3562,15 @@
           </p:nvSpPr>
           <p:spPr>
             <a:xfrm>
-              <a:off x="3544434" y="2003481"/>
-              <a:ext cx="0" cy="997555"/>
+              <a:off x="3542691" y="2003481"/>
+              <a:ext cx="0" cy="1001252"/>
             </a:xfrm>
             <a:custGeom>
               <a:avLst/>
               <a:pathLst>
-                <a:path w="0" h="997555">
+                <a:path w="0" h="1001252">
                   <a:moveTo>
-                    <a:pt x="0" y="997555"/>
+                    <a:pt x="0" y="1001252"/>
                   </a:moveTo>
                   <a:lnTo>
                     <a:pt x="0" y="0"/>
@@ -3605,15 +3605,15 @@
           </p:nvSpPr>
           <p:spPr>
             <a:xfrm>
-              <a:off x="4002977" y="2003481"/>
-              <a:ext cx="0" cy="997555"/>
+              <a:off x="4001634" y="2003481"/>
+              <a:ext cx="0" cy="1001252"/>
             </a:xfrm>
             <a:custGeom>
               <a:avLst/>
               <a:pathLst>
-                <a:path w="0" h="997555">
+                <a:path w="0" h="1001252">
                   <a:moveTo>
-                    <a:pt x="0" y="997555"/>
+                    <a:pt x="0" y="1001252"/>
                   </a:moveTo>
                   <a:lnTo>
                     <a:pt x="0" y="0"/>
@@ -3648,15 +3648,15 @@
           </p:nvSpPr>
           <p:spPr>
             <a:xfrm>
-              <a:off x="4461520" y="2003481"/>
-              <a:ext cx="0" cy="997555"/>
+              <a:off x="4460577" y="2003481"/>
+              <a:ext cx="0" cy="1001252"/>
             </a:xfrm>
             <a:custGeom>
               <a:avLst/>
               <a:pathLst>
-                <a:path w="0" h="997555">
+                <a:path w="0" h="1001252">
                   <a:moveTo>
-                    <a:pt x="0" y="997555"/>
+                    <a:pt x="0" y="1001252"/>
                   </a:moveTo>
                   <a:lnTo>
                     <a:pt x="0" y="0"/>
@@ -3691,15 +3691,15 @@
           </p:nvSpPr>
           <p:spPr>
             <a:xfrm>
-              <a:off x="4920062" y="2003481"/>
-              <a:ext cx="0" cy="997555"/>
+              <a:off x="4919520" y="2003481"/>
+              <a:ext cx="0" cy="1001252"/>
             </a:xfrm>
             <a:custGeom>
               <a:avLst/>
               <a:pathLst>
-                <a:path w="0" h="997555">
+                <a:path w="0" h="1001252">
                   <a:moveTo>
-                    <a:pt x="0" y="997555"/>
+                    <a:pt x="0" y="1001252"/>
                   </a:moveTo>
                   <a:lnTo>
                     <a:pt x="0" y="0"/>
@@ -3734,15 +3734,15 @@
           </p:nvSpPr>
           <p:spPr>
             <a:xfrm>
-              <a:off x="5378605" y="2003481"/>
-              <a:ext cx="0" cy="997555"/>
+              <a:off x="5378463" y="2003481"/>
+              <a:ext cx="0" cy="1001252"/>
             </a:xfrm>
             <a:custGeom>
               <a:avLst/>
               <a:pathLst>
-                <a:path w="0" h="997555">
+                <a:path w="0" h="1001252">
                   <a:moveTo>
-                    <a:pt x="0" y="997555"/>
+                    <a:pt x="0" y="1001252"/>
                   </a:moveTo>
                   <a:lnTo>
                     <a:pt x="0" y="0"/>
@@ -3777,8 +3777,8 @@
           </p:nvSpPr>
           <p:spPr>
             <a:xfrm>
-              <a:off x="3544434" y="2039108"/>
-              <a:ext cx="205427" cy="213761"/>
+              <a:off x="3542691" y="2039240"/>
+              <a:ext cx="205606" cy="214554"/>
             </a:xfrm>
             <a:prstGeom prst="rect">
               <a:avLst/>
@@ -3803,8 +3803,8 @@
           </p:nvSpPr>
           <p:spPr>
             <a:xfrm>
-              <a:off x="3544434" y="2276621"/>
-              <a:ext cx="935426" cy="213761"/>
+              <a:off x="3542691" y="2277634"/>
+              <a:ext cx="936243" cy="214554"/>
             </a:xfrm>
             <a:prstGeom prst="rect">
               <a:avLst/>
@@ -3829,8 +3829,8 @@
           </p:nvSpPr>
           <p:spPr>
             <a:xfrm>
-              <a:off x="3544434" y="2514135"/>
-              <a:ext cx="1957059" cy="213761"/>
+              <a:off x="3542691" y="2516027"/>
+              <a:ext cx="1958769" cy="214554"/>
             </a:xfrm>
             <a:prstGeom prst="rect">
               <a:avLst/>
@@ -3855,8 +3855,8 @@
           </p:nvSpPr>
           <p:spPr>
             <a:xfrm>
-              <a:off x="3544434" y="2751648"/>
-              <a:ext cx="691482" cy="213761"/>
+              <a:off x="3542691" y="2754421"/>
+              <a:ext cx="692086" cy="214554"/>
             </a:xfrm>
             <a:prstGeom prst="rect">
               <a:avLst/>
@@ -3881,7 +3881,7 @@
           </p:nvSpPr>
           <p:spPr>
             <a:xfrm>
-              <a:off x="5223373" y="2568809"/>
+              <a:off x="5223300" y="2571097"/>
               <a:ext cx="50444" cy="74581"/>
             </a:xfrm>
             <a:custGeom>
@@ -3945,7 +3945,7 @@
           </p:nvSpPr>
           <p:spPr>
             <a:xfrm>
-              <a:off x="5281122" y="2567697"/>
+              <a:off x="5281049" y="2569986"/>
               <a:ext cx="51555" cy="76751"/>
             </a:xfrm>
             <a:custGeom>
@@ -4456,7 +4456,7 @@
           </p:nvSpPr>
           <p:spPr>
             <a:xfrm>
-              <a:off x="5295996" y="2579342"/>
+              <a:off x="5295923" y="2581631"/>
               <a:ext cx="21755" cy="53408"/>
             </a:xfrm>
             <a:custGeom>
@@ -4967,7 +4967,7 @@
           </p:nvSpPr>
           <p:spPr>
             <a:xfrm>
-              <a:off x="5341094" y="2567697"/>
+              <a:off x="5341022" y="2569986"/>
               <a:ext cx="52402" cy="76751"/>
             </a:xfrm>
             <a:custGeom>
@@ -5661,7 +5661,7 @@
           </p:nvSpPr>
           <p:spPr>
             <a:xfrm>
-              <a:off x="5356709" y="2606337"/>
+              <a:off x="5356637" y="2608626"/>
               <a:ext cx="21860" cy="26518"/>
             </a:xfrm>
             <a:custGeom>
@@ -6112,7 +6112,7 @@
           </p:nvSpPr>
           <p:spPr>
             <a:xfrm>
-              <a:off x="5402072" y="2568809"/>
+              <a:off x="5401999" y="2571097"/>
               <a:ext cx="50867" cy="74581"/>
             </a:xfrm>
             <a:custGeom>
@@ -6398,7 +6398,7 @@
           </p:nvSpPr>
           <p:spPr>
             <a:xfrm>
-              <a:off x="3801910" y="2108698"/>
+              <a:off x="3800384" y="2109226"/>
               <a:ext cx="46739" cy="74581"/>
             </a:xfrm>
             <a:custGeom>
@@ -6462,7 +6462,7 @@
           </p:nvSpPr>
           <p:spPr>
             <a:xfrm>
-              <a:off x="3862199" y="2108698"/>
+              <a:off x="3860673" y="2109226"/>
               <a:ext cx="46739" cy="74581"/>
             </a:xfrm>
             <a:custGeom>
@@ -6526,7 +6526,7 @@
           </p:nvSpPr>
           <p:spPr>
             <a:xfrm>
-              <a:off x="3919684" y="2107587"/>
+              <a:off x="3918158" y="2108115"/>
               <a:ext cx="49385" cy="75692"/>
             </a:xfrm>
             <a:custGeom>
@@ -7472,7 +7472,7 @@
           </p:nvSpPr>
           <p:spPr>
             <a:xfrm>
-              <a:off x="4527993" y="2346212"/>
+              <a:off x="4527104" y="2347620"/>
               <a:ext cx="51397" cy="75640"/>
             </a:xfrm>
             <a:custGeom>
@@ -8424,7 +8424,7 @@
           </p:nvSpPr>
           <p:spPr>
             <a:xfrm>
-              <a:off x="4592199" y="2346212"/>
+              <a:off x="4591311" y="2347620"/>
               <a:ext cx="46739" cy="74581"/>
             </a:xfrm>
             <a:custGeom>
@@ -8488,7 +8488,7 @@
           </p:nvSpPr>
           <p:spPr>
             <a:xfrm>
-              <a:off x="4648466" y="2345100"/>
+              <a:off x="4647578" y="2346508"/>
               <a:ext cx="51820" cy="76751"/>
             </a:xfrm>
             <a:custGeom>
@@ -8999,7 +8999,7 @@
           </p:nvSpPr>
           <p:spPr>
             <a:xfrm>
-              <a:off x="4658100" y="2352828"/>
+              <a:off x="4657211" y="2354237"/>
               <a:ext cx="32500" cy="61242"/>
             </a:xfrm>
             <a:custGeom>
@@ -9510,7 +9510,7 @@
           </p:nvSpPr>
           <p:spPr>
             <a:xfrm>
-              <a:off x="4283836" y="2820127"/>
+              <a:off x="4282735" y="2823296"/>
               <a:ext cx="51397" cy="76751"/>
             </a:xfrm>
             <a:custGeom>
@@ -10819,7 +10819,7 @@
           </p:nvSpPr>
           <p:spPr>
             <a:xfrm>
-              <a:off x="4345555" y="2821238"/>
+              <a:off x="4344454" y="2824407"/>
               <a:ext cx="49279" cy="74581"/>
             </a:xfrm>
             <a:custGeom>
@@ -11105,7 +11105,7 @@
           </p:nvSpPr>
           <p:spPr>
             <a:xfrm>
-              <a:off x="4405845" y="2821238"/>
+              <a:off x="4404743" y="2824407"/>
               <a:ext cx="49279" cy="74581"/>
             </a:xfrm>
             <a:custGeom>
@@ -11391,8 +11391,8 @@
           </p:nvSpPr>
           <p:spPr>
             <a:xfrm>
-              <a:off x="3544434" y="2003481"/>
-              <a:ext cx="1996201" cy="997555"/>
+              <a:off x="3542691" y="2003481"/>
+              <a:ext cx="1997944" cy="1001252"/>
             </a:xfrm>
             <a:prstGeom prst="rect">
               <a:avLst/>
@@ -11421,7 +11421,7 @@
           </p:nvSpPr>
           <p:spPr>
             <a:xfrm>
-              <a:off x="2297415" y="2817192"/>
+              <a:off x="2295671" y="2820361"/>
               <a:ext cx="58772" cy="79781"/>
             </a:xfrm>
             <a:custGeom>
@@ -11701,7 +11701,7 @@
           </p:nvSpPr>
           <p:spPr>
             <a:xfrm>
-              <a:off x="2307565" y="2825868"/>
+              <a:off x="2305821" y="2829037"/>
               <a:ext cx="37871" cy="62373"/>
             </a:xfrm>
             <a:custGeom>
@@ -11921,7 +11921,7 @@
           </p:nvSpPr>
           <p:spPr>
             <a:xfrm>
-              <a:off x="2382217" y="2880384"/>
+              <a:off x="2380474" y="2883553"/>
               <a:ext cx="17025" cy="16589"/>
             </a:xfrm>
             <a:custGeom>
@@ -11964,7 +11964,7 @@
           </p:nvSpPr>
           <p:spPr>
             <a:xfrm>
-              <a:off x="2508602" y="2811844"/>
+              <a:off x="2506858" y="2815013"/>
               <a:ext cx="98226" cy="95170"/>
             </a:xfrm>
             <a:custGeom>
@@ -12112,7 +12112,7 @@
           </p:nvSpPr>
           <p:spPr>
             <a:xfrm>
-              <a:off x="2567974" y="2839347"/>
+              <a:off x="2566231" y="2842516"/>
               <a:ext cx="42783" cy="42346"/>
             </a:xfrm>
             <a:custGeom>
@@ -12209,7 +12209,7 @@
           </p:nvSpPr>
           <p:spPr>
             <a:xfrm>
-              <a:off x="2663145" y="2873399"/>
+              <a:off x="2661402" y="2876568"/>
               <a:ext cx="20081" cy="17899"/>
             </a:xfrm>
             <a:custGeom>
@@ -12306,7 +12306,7 @@
           </p:nvSpPr>
           <p:spPr>
             <a:xfrm>
-              <a:off x="2698507" y="2875582"/>
+              <a:off x="2696763" y="2878751"/>
               <a:ext cx="24010" cy="25757"/>
             </a:xfrm>
             <a:custGeom>
@@ -12403,7 +12403,7 @@
           </p:nvSpPr>
           <p:spPr>
             <a:xfrm>
-              <a:off x="2645683" y="2876019"/>
+              <a:off x="2643939" y="2879188"/>
               <a:ext cx="56753" cy="30122"/>
             </a:xfrm>
             <a:custGeom>
@@ -12447,7 +12447,7 @@
                     <a:pt x="10676" y="20771"/>
                   </a:lnTo>
                   <a:lnTo>
-                    <a:pt x="11132" y="20955"/>
+                    <a:pt x="11132" y="20954"/>
                   </a:lnTo>
                   <a:lnTo>
                     <a:pt x="11702" y="21120"/>
@@ -12507,7 +12507,7 @@
                     <a:pt x="42054" y="21120"/>
                   </a:lnTo>
                   <a:lnTo>
-                    <a:pt x="42783" y="20955"/>
+                    <a:pt x="42783" y="20954"/>
                   </a:lnTo>
                   <a:lnTo>
                     <a:pt x="43372" y="20771"/>
@@ -12570,7 +12570,7 @@
                     <a:pt x="48021" y="10914"/>
                   </a:lnTo>
                   <a:lnTo>
-                    <a:pt x="56753" y="13970"/>
+                    <a:pt x="56753" y="13969"/>
                   </a:lnTo>
                   <a:lnTo>
                     <a:pt x="56545" y="15908"/>
@@ -12716,7 +12716,7 @@
           </p:nvSpPr>
           <p:spPr>
             <a:xfrm>
-              <a:off x="2620362" y="2877328"/>
+              <a:off x="2618618" y="2880497"/>
               <a:ext cx="20955" cy="26630"/>
             </a:xfrm>
             <a:custGeom>
@@ -12813,7 +12813,7 @@
           </p:nvSpPr>
           <p:spPr>
             <a:xfrm>
-              <a:off x="2621235" y="2805732"/>
+              <a:off x="2619492" y="2808901"/>
               <a:ext cx="99972" cy="71159"/>
             </a:xfrm>
             <a:custGeom>
@@ -13456,7 +13456,7 @@
           </p:nvSpPr>
           <p:spPr>
             <a:xfrm>
-              <a:off x="2640880" y="2830616"/>
+              <a:off x="2639137" y="2833785"/>
               <a:ext cx="39727" cy="7421"/>
             </a:xfrm>
             <a:custGeom>
@@ -13499,7 +13499,7 @@
           </p:nvSpPr>
           <p:spPr>
             <a:xfrm>
-              <a:off x="2643063" y="2844586"/>
+              <a:off x="2641320" y="2847755"/>
               <a:ext cx="34488" cy="23574"/>
             </a:xfrm>
             <a:custGeom>
@@ -13542,7 +13542,7 @@
           </p:nvSpPr>
           <p:spPr>
             <a:xfrm>
-              <a:off x="2650921" y="2852008"/>
+              <a:off x="2649178" y="2855177"/>
               <a:ext cx="18772" cy="8731"/>
             </a:xfrm>
             <a:custGeom>
@@ -13585,7 +13585,7 @@
           </p:nvSpPr>
           <p:spPr>
             <a:xfrm>
-              <a:off x="2770539" y="2808788"/>
+              <a:off x="2768796" y="2811957"/>
               <a:ext cx="19208" cy="37544"/>
             </a:xfrm>
             <a:custGeom>
@@ -13682,7 +13682,7 @@
           </p:nvSpPr>
           <p:spPr>
             <a:xfrm>
-              <a:off x="2734305" y="2814027"/>
+              <a:off x="2732561" y="2817196"/>
               <a:ext cx="97789" cy="50641"/>
             </a:xfrm>
             <a:custGeom>
@@ -13791,7 +13791,7 @@
           </p:nvSpPr>
           <p:spPr>
             <a:xfrm>
-              <a:off x="2739980" y="2818392"/>
+              <a:off x="2738237" y="2821561"/>
               <a:ext cx="24010" cy="30559"/>
             </a:xfrm>
             <a:custGeom>
@@ -13888,7 +13888,7 @@
           </p:nvSpPr>
           <p:spPr>
             <a:xfrm>
-              <a:off x="2735178" y="2872526"/>
+              <a:off x="2733434" y="2875695"/>
               <a:ext cx="37107" cy="35361"/>
             </a:xfrm>
             <a:custGeom>
@@ -13985,7 +13985,7 @@
           </p:nvSpPr>
           <p:spPr>
             <a:xfrm>
-              <a:off x="2791058" y="2872963"/>
+              <a:off x="2789314" y="2876132"/>
               <a:ext cx="38854" cy="34925"/>
             </a:xfrm>
             <a:custGeom>
@@ -14082,7 +14082,7 @@
           </p:nvSpPr>
           <p:spPr>
             <a:xfrm>
-              <a:off x="2843445" y="2806605"/>
+              <a:off x="2841702" y="2809774"/>
               <a:ext cx="103028" cy="101282"/>
             </a:xfrm>
             <a:custGeom>
@@ -14216,7 +14216,7 @@
                     <a:pt x="19038" y="76206"/>
                   </a:lnTo>
                   <a:lnTo>
-                    <a:pt x="19645" y="76835"/>
+                    <a:pt x="19645" y="76834"/>
                   </a:lnTo>
                   <a:lnTo>
                     <a:pt x="19645" y="43219"/>
@@ -14437,7 +14437,7 @@
           </p:nvSpPr>
           <p:spPr>
             <a:xfrm>
-              <a:off x="2882299" y="2810098"/>
+              <a:off x="2880556" y="2813267"/>
               <a:ext cx="36234" cy="83383"/>
             </a:xfrm>
             <a:custGeom>
@@ -14597,7 +14597,7 @@
           </p:nvSpPr>
           <p:spPr>
             <a:xfrm>
-              <a:off x="2895396" y="2817519"/>
+              <a:off x="2893653" y="2820688"/>
               <a:ext cx="10040" cy="13096"/>
             </a:xfrm>
             <a:custGeom>
@@ -14640,18 +14640,18 @@
           </p:nvSpPr>
           <p:spPr>
             <a:xfrm>
-              <a:off x="2895396" y="2838038"/>
-              <a:ext cx="10040" cy="13969"/>
+              <a:off x="2893653" y="2841207"/>
+              <a:ext cx="10040" cy="13970"/>
             </a:xfrm>
             <a:custGeom>
               <a:avLst/>
               <a:pathLst>
-                <a:path w="10040" h="13969">
+                <a:path w="10040" h="13970">
                   <a:moveTo>
-                    <a:pt x="0" y="13969"/>
+                    <a:pt x="0" y="13970"/>
                   </a:moveTo>
                   <a:lnTo>
-                    <a:pt x="10040" y="13969"/>
+                    <a:pt x="10040" y="13970"/>
                   </a:lnTo>
                   <a:lnTo>
                     <a:pt x="10040" y="0"/>
@@ -14683,7 +14683,7 @@
           </p:nvSpPr>
           <p:spPr>
             <a:xfrm>
-              <a:off x="2895396" y="2859429"/>
+              <a:off x="2893653" y="2862598"/>
               <a:ext cx="10040" cy="14843"/>
             </a:xfrm>
             <a:custGeom>
@@ -14753,7 +14753,7 @@
           </p:nvSpPr>
           <p:spPr>
             <a:xfrm>
-              <a:off x="2915042" y="2818392"/>
+              <a:off x="2913298" y="2821561"/>
               <a:ext cx="29686" cy="72905"/>
             </a:xfrm>
             <a:custGeom>
@@ -15075,7 +15075,7 @@
           </p:nvSpPr>
           <p:spPr>
             <a:xfrm>
-              <a:off x="2969175" y="2880384"/>
+              <a:off x="2967432" y="2883553"/>
               <a:ext cx="17899" cy="30122"/>
             </a:xfrm>
             <a:custGeom>
@@ -15127,7 +15127,7 @@
           </p:nvSpPr>
           <p:spPr>
             <a:xfrm>
-              <a:off x="3074824" y="2807042"/>
+              <a:off x="3073080" y="2810211"/>
               <a:ext cx="27066" cy="20518"/>
             </a:xfrm>
             <a:custGeom>
@@ -15224,7 +15224,7 @@
           </p:nvSpPr>
           <p:spPr>
             <a:xfrm>
-              <a:off x="3069585" y="2833235"/>
+              <a:off x="3067841" y="2836404"/>
               <a:ext cx="25757" cy="19645"/>
             </a:xfrm>
             <a:custGeom>
@@ -15321,7 +15321,7 @@
           </p:nvSpPr>
           <p:spPr>
             <a:xfrm>
-              <a:off x="3068275" y="2861612"/>
+              <a:off x="3066532" y="2864781"/>
               <a:ext cx="28376" cy="45402"/>
             </a:xfrm>
             <a:custGeom>
@@ -15418,7 +15418,7 @@
           </p:nvSpPr>
           <p:spPr>
             <a:xfrm>
-              <a:off x="3099708" y="2810098"/>
+              <a:off x="3097964" y="2813267"/>
               <a:ext cx="68103" cy="41473"/>
             </a:xfrm>
             <a:custGeom>
@@ -15683,7 +15683,7 @@
           </p:nvSpPr>
           <p:spPr>
             <a:xfrm>
-              <a:off x="3094905" y="2853754"/>
+              <a:off x="3093162" y="2856923"/>
               <a:ext cx="74215" cy="53697"/>
             </a:xfrm>
             <a:custGeom>
@@ -15909,7 +15909,7 @@
           </p:nvSpPr>
           <p:spPr>
             <a:xfrm>
-              <a:off x="3115860" y="2861612"/>
+              <a:off x="3114117" y="2864781"/>
               <a:ext cx="33178" cy="22701"/>
             </a:xfrm>
             <a:custGeom>
@@ -16003,7 +16003,7 @@
           </p:nvSpPr>
           <p:spPr>
             <a:xfrm>
-              <a:off x="3180908" y="2806169"/>
+              <a:off x="3179165" y="2809338"/>
               <a:ext cx="97353" cy="101282"/>
             </a:xfrm>
             <a:custGeom>
@@ -16020,7 +16020,7 @@
                     <a:pt x="35531" y="11001"/>
                   </a:lnTo>
                   <a:lnTo>
-                    <a:pt x="36129" y="9779"/>
+                    <a:pt x="36129" y="9778"/>
                   </a:lnTo>
                   <a:lnTo>
                     <a:pt x="36719" y="8556"/>
@@ -16050,7 +16050,7 @@
                     <a:pt x="48894" y="1746"/>
                   </a:lnTo>
                   <a:lnTo>
-                    <a:pt x="48541" y="2794"/>
+                    <a:pt x="48541" y="2793"/>
                   </a:lnTo>
                   <a:lnTo>
                     <a:pt x="48179" y="3841"/>
@@ -16215,7 +16215,7 @@
                     <a:pt x="60682" y="99536"/>
                   </a:lnTo>
                   <a:lnTo>
-                    <a:pt x="58499" y="90805"/>
+                    <a:pt x="58499" y="90804"/>
                   </a:lnTo>
                   <a:lnTo>
                     <a:pt x="60795" y="90970"/>
@@ -16382,21 +16382,21 @@
           </p:nvSpPr>
           <p:spPr>
             <a:xfrm>
-              <a:off x="3211904" y="2848079"/>
-              <a:ext cx="48895" cy="10477"/>
+              <a:off x="3210161" y="2851248"/>
+              <a:ext cx="48894" cy="10477"/>
             </a:xfrm>
             <a:custGeom>
               <a:avLst/>
               <a:pathLst>
-                <a:path w="48895" h="10477">
+                <a:path w="48894" h="10477">
                   <a:moveTo>
                     <a:pt x="0" y="10477"/>
                   </a:moveTo>
                   <a:lnTo>
-                    <a:pt x="48895" y="10477"/>
-                  </a:lnTo>
-                  <a:lnTo>
-                    <a:pt x="48895" y="0"/>
+                    <a:pt x="48894" y="10477"/>
+                  </a:lnTo>
+                  <a:lnTo>
+                    <a:pt x="48894" y="0"/>
                   </a:lnTo>
                   <a:lnTo>
                     <a:pt x="0" y="0"/>
@@ -16425,21 +16425,21 @@
           </p:nvSpPr>
           <p:spPr>
             <a:xfrm>
-              <a:off x="3211904" y="2866414"/>
-              <a:ext cx="48895" cy="10040"/>
+              <a:off x="3210161" y="2869583"/>
+              <a:ext cx="48894" cy="10040"/>
             </a:xfrm>
             <a:custGeom>
               <a:avLst/>
               <a:pathLst>
-                <a:path w="48895" h="10040">
+                <a:path w="48894" h="10040">
                   <a:moveTo>
                     <a:pt x="0" y="10040"/>
                   </a:moveTo>
                   <a:lnTo>
-                    <a:pt x="48895" y="10040"/>
-                  </a:lnTo>
-                  <a:lnTo>
-                    <a:pt x="48895" y="0"/>
+                    <a:pt x="48894" y="10040"/>
+                  </a:lnTo>
+                  <a:lnTo>
+                    <a:pt x="48894" y="0"/>
                   </a:lnTo>
                   <a:lnTo>
                     <a:pt x="0" y="0"/>
@@ -16468,7 +16468,7 @@
           </p:nvSpPr>
           <p:spPr>
             <a:xfrm>
-              <a:off x="3290922" y="2806605"/>
+              <a:off x="3289178" y="2809774"/>
               <a:ext cx="39290" cy="100409"/>
             </a:xfrm>
             <a:custGeom>
@@ -16605,7 +16605,7 @@
                     <a:pt x="5675" y="83819"/>
                   </a:lnTo>
                   <a:lnTo>
-                    <a:pt x="0" y="76835"/>
+                    <a:pt x="0" y="76834"/>
                   </a:lnTo>
                   <a:lnTo>
                     <a:pt x="2126" y="73822"/>
@@ -16629,7 +16629,7 @@
                     <a:pt x="12498" y="53915"/>
                   </a:lnTo>
                   <a:lnTo>
-                    <a:pt x="13830" y="50292"/>
+                    <a:pt x="13830" y="50291"/>
                   </a:lnTo>
                   <a:lnTo>
                     <a:pt x="15048" y="46581"/>
@@ -16664,7 +16664,7 @@
           </p:nvSpPr>
           <p:spPr>
             <a:xfrm>
-              <a:off x="3293541" y="2814027"/>
+              <a:off x="3291798" y="2817196"/>
               <a:ext cx="11350" cy="24010"/>
             </a:xfrm>
             <a:custGeom>
@@ -16761,7 +16761,7 @@
           </p:nvSpPr>
           <p:spPr>
             <a:xfrm>
-              <a:off x="3317989" y="2814027"/>
+              <a:off x="3316245" y="2817196"/>
               <a:ext cx="13096" cy="24447"/>
             </a:xfrm>
             <a:custGeom>
@@ -16829,7 +16829,7 @@
                     <a:pt x="5042" y="6286"/>
                   </a:lnTo>
                   <a:lnTo>
-                    <a:pt x="5588" y="4191"/>
+                    <a:pt x="5587" y="4191"/>
                   </a:lnTo>
                   <a:lnTo>
                     <a:pt x="6090" y="2095"/>
@@ -16858,7 +16858,7 @@
           </p:nvSpPr>
           <p:spPr>
             <a:xfrm>
-              <a:off x="3332395" y="2806605"/>
+              <a:off x="3330652" y="2809774"/>
               <a:ext cx="59809" cy="42783"/>
             </a:xfrm>
             <a:custGeom>
@@ -16923,10 +16923,10 @@
                     <a:pt x="24884" y="28376"/>
                   </a:lnTo>
                   <a:lnTo>
-                    <a:pt x="6985" y="28376"/>
-                  </a:lnTo>
-                  <a:lnTo>
-                    <a:pt x="6985" y="21391"/>
+                    <a:pt x="6984" y="28376"/>
+                  </a:lnTo>
+                  <a:lnTo>
+                    <a:pt x="6984" y="21391"/>
                   </a:lnTo>
                   <a:lnTo>
                     <a:pt x="24884" y="21391"/>
@@ -16961,7 +16961,7 @@
           </p:nvSpPr>
           <p:spPr>
             <a:xfrm>
-              <a:off x="3338507" y="2856373"/>
+              <a:off x="3336764" y="2859542"/>
               <a:ext cx="47148" cy="50641"/>
             </a:xfrm>
             <a:custGeom>
@@ -17166,18 +17166,18 @@
           </p:nvSpPr>
           <p:spPr>
             <a:xfrm>
-              <a:off x="3346802" y="2863358"/>
-              <a:ext cx="30559" cy="6985"/>
+              <a:off x="3345058" y="2866527"/>
+              <a:ext cx="30559" cy="6984"/>
             </a:xfrm>
             <a:custGeom>
               <a:avLst/>
               <a:pathLst>
-                <a:path w="30559" h="6985">
+                <a:path w="30559" h="6984">
                   <a:moveTo>
-                    <a:pt x="0" y="6985"/>
+                    <a:pt x="0" y="6984"/>
                   </a:moveTo>
                   <a:lnTo>
-                    <a:pt x="30559" y="6985"/>
+                    <a:pt x="30559" y="6984"/>
                   </a:lnTo>
                   <a:lnTo>
                     <a:pt x="30559" y="0"/>
@@ -17209,18 +17209,18 @@
           </p:nvSpPr>
           <p:spPr>
             <a:xfrm>
-              <a:off x="3346802" y="2877328"/>
-              <a:ext cx="30559" cy="6984"/>
+              <a:off x="3345058" y="2880497"/>
+              <a:ext cx="30559" cy="6985"/>
             </a:xfrm>
             <a:custGeom>
               <a:avLst/>
               <a:pathLst>
-                <a:path w="30559" h="6984">
+                <a:path w="30559" h="6985">
                   <a:moveTo>
-                    <a:pt x="0" y="6984"/>
+                    <a:pt x="0" y="6985"/>
                   </a:moveTo>
                   <a:lnTo>
-                    <a:pt x="30559" y="6984"/>
+                    <a:pt x="30559" y="6985"/>
                   </a:lnTo>
                   <a:lnTo>
                     <a:pt x="30559" y="0"/>
@@ -17252,7 +17252,7 @@
           </p:nvSpPr>
           <p:spPr>
             <a:xfrm>
-              <a:off x="3404865" y="2807042"/>
+              <a:off x="3403121" y="2810211"/>
               <a:ext cx="91241" cy="100409"/>
             </a:xfrm>
             <a:custGeom>
@@ -17619,7 +17619,7 @@
           </p:nvSpPr>
           <p:spPr>
             <a:xfrm>
-              <a:off x="2190675" y="2518182"/>
+              <a:off x="2188932" y="2520471"/>
               <a:ext cx="57353" cy="82019"/>
             </a:xfrm>
             <a:custGeom>
@@ -18436,7 +18436,7 @@
           </p:nvSpPr>
           <p:spPr>
             <a:xfrm>
-              <a:off x="2270457" y="2582521"/>
+              <a:off x="2268714" y="2584809"/>
               <a:ext cx="17025" cy="16589"/>
             </a:xfrm>
             <a:custGeom>
@@ -18479,7 +18479,7 @@
           </p:nvSpPr>
           <p:spPr>
             <a:xfrm>
-              <a:off x="2397715" y="2514853"/>
+              <a:off x="2395972" y="2517142"/>
               <a:ext cx="100845" cy="94297"/>
             </a:xfrm>
             <a:custGeom>
@@ -18714,7 +18714,7 @@
           </p:nvSpPr>
           <p:spPr>
             <a:xfrm>
-              <a:off x="2409939" y="2540174"/>
+              <a:off x="2408195" y="2542463"/>
               <a:ext cx="41910" cy="44529"/>
             </a:xfrm>
             <a:custGeom>
@@ -18763,7 +18763,7 @@
           </p:nvSpPr>
           <p:spPr>
             <a:xfrm>
-              <a:off x="2418670" y="2548469"/>
+              <a:off x="2416927" y="2550757"/>
               <a:ext cx="24447" cy="21828"/>
             </a:xfrm>
             <a:custGeom>
@@ -18806,7 +18806,7 @@
           </p:nvSpPr>
           <p:spPr>
             <a:xfrm>
-              <a:off x="2542654" y="2508741"/>
+              <a:off x="2540910" y="2511030"/>
               <a:ext cx="67230" cy="100409"/>
             </a:xfrm>
             <a:custGeom>
@@ -18841,7 +18841,7 @@
                     <a:pt x="48030" y="36060"/>
                   </a:lnTo>
                   <a:lnTo>
-                    <a:pt x="47899" y="39116"/>
+                    <a:pt x="47899" y="39115"/>
                   </a:lnTo>
                   <a:lnTo>
                     <a:pt x="47751" y="41648"/>
@@ -19059,7 +19059,7 @@
           </p:nvSpPr>
           <p:spPr>
             <a:xfrm>
-              <a:off x="2518206" y="2513107"/>
+              <a:off x="2516463" y="2515396"/>
               <a:ext cx="40163" cy="80327"/>
             </a:xfrm>
             <a:custGeom>
@@ -19165,7 +19165,7 @@
           </p:nvSpPr>
           <p:spPr>
             <a:xfrm>
-              <a:off x="2537852" y="2519219"/>
+              <a:off x="2536108" y="2521508"/>
               <a:ext cx="25757" cy="34925"/>
             </a:xfrm>
             <a:custGeom>
@@ -19262,7 +19262,7 @@
           </p:nvSpPr>
           <p:spPr>
             <a:xfrm>
-              <a:off x="2652231" y="2510051"/>
+              <a:off x="2650487" y="2512340"/>
               <a:ext cx="66794" cy="78144"/>
             </a:xfrm>
             <a:custGeom>
@@ -19434,7 +19434,7 @@
           </p:nvSpPr>
           <p:spPr>
             <a:xfrm>
-              <a:off x="2666638" y="2563312"/>
+              <a:off x="2664894" y="2565601"/>
               <a:ext cx="35798" cy="17025"/>
             </a:xfrm>
             <a:custGeom>
@@ -19477,7 +19477,7 @@
           </p:nvSpPr>
           <p:spPr>
             <a:xfrm>
-              <a:off x="2622545" y="2511361"/>
+              <a:off x="2620801" y="2513650"/>
               <a:ext cx="21828" cy="20954"/>
             </a:xfrm>
             <a:custGeom>
@@ -19574,7 +19574,7 @@
           </p:nvSpPr>
           <p:spPr>
             <a:xfrm>
-              <a:off x="2620799" y="2547596"/>
+              <a:off x="2619055" y="2549884"/>
               <a:ext cx="101282" cy="60682"/>
             </a:xfrm>
             <a:custGeom>
@@ -19785,7 +19785,7 @@
           </p:nvSpPr>
           <p:spPr>
             <a:xfrm>
-              <a:off x="2740853" y="2508305"/>
+              <a:off x="2739110" y="2510594"/>
               <a:ext cx="82510" cy="100845"/>
             </a:xfrm>
             <a:custGeom>
@@ -19870,7 +19870,7 @@
           </p:nvSpPr>
           <p:spPr>
             <a:xfrm>
-              <a:off x="2741290" y="2512671"/>
+              <a:off x="2739546" y="2514959"/>
               <a:ext cx="22264" cy="27066"/>
             </a:xfrm>
             <a:custGeom>
@@ -19967,7 +19967,7 @@
           </p:nvSpPr>
           <p:spPr>
             <a:xfrm>
-              <a:off x="2802845" y="2513107"/>
+              <a:off x="2801102" y="2515396"/>
               <a:ext cx="21828" cy="27066"/>
             </a:xfrm>
             <a:custGeom>
@@ -20064,7 +20064,7 @@
           </p:nvSpPr>
           <p:spPr>
             <a:xfrm>
-              <a:off x="2843445" y="2508741"/>
+              <a:off x="2841702" y="2511030"/>
               <a:ext cx="101719" cy="99972"/>
             </a:xfrm>
             <a:custGeom>
@@ -20512,7 +20512,7 @@
           </p:nvSpPr>
           <p:spPr>
             <a:xfrm>
-              <a:off x="3009776" y="2573353"/>
+              <a:off x="3008032" y="2575641"/>
               <a:ext cx="14406" cy="17899"/>
             </a:xfrm>
             <a:custGeom>
@@ -20609,7 +20609,7 @@
           </p:nvSpPr>
           <p:spPr>
             <a:xfrm>
-              <a:off x="2995806" y="2576845"/>
+              <a:off x="2994062" y="2579134"/>
               <a:ext cx="43219" cy="30559"/>
             </a:xfrm>
             <a:custGeom>
@@ -20892,7 +20892,7 @@
           </p:nvSpPr>
           <p:spPr>
             <a:xfrm>
-              <a:off x="3035533" y="2577282"/>
+              <a:off x="3033789" y="2579571"/>
               <a:ext cx="20954" cy="24884"/>
             </a:xfrm>
             <a:custGeom>
@@ -20989,7 +20989,7 @@
           </p:nvSpPr>
           <p:spPr>
             <a:xfrm>
-              <a:off x="2973978" y="2577718"/>
+              <a:off x="2972234" y="2580007"/>
               <a:ext cx="17899" cy="25757"/>
             </a:xfrm>
             <a:custGeom>
@@ -21086,7 +21086,7 @@
           </p:nvSpPr>
           <p:spPr>
             <a:xfrm>
-              <a:off x="2957388" y="2507868"/>
+              <a:off x="2955645" y="2510157"/>
               <a:ext cx="98226" cy="101719"/>
             </a:xfrm>
             <a:custGeom>
@@ -21588,7 +21588,7 @@
           </p:nvSpPr>
           <p:spPr>
             <a:xfrm>
-              <a:off x="3080935" y="2582521"/>
+              <a:off x="3079192" y="2584809"/>
               <a:ext cx="17899" cy="30122"/>
             </a:xfrm>
             <a:custGeom>
@@ -21640,7 +21640,7 @@
           </p:nvSpPr>
           <p:spPr>
             <a:xfrm>
-              <a:off x="3178725" y="2508741"/>
+              <a:off x="3176982" y="2511030"/>
               <a:ext cx="30559" cy="100409"/>
             </a:xfrm>
             <a:custGeom>
@@ -21776,7 +21776,7 @@
           </p:nvSpPr>
           <p:spPr>
             <a:xfrm>
-              <a:off x="3216270" y="2513544"/>
+              <a:off x="3214526" y="2515832"/>
               <a:ext cx="55879" cy="68103"/>
             </a:xfrm>
             <a:custGeom>
@@ -21819,7 +21819,7 @@
           </p:nvSpPr>
           <p:spPr>
             <a:xfrm>
-              <a:off x="3225001" y="2521838"/>
+              <a:off x="3223257" y="2524127"/>
               <a:ext cx="38417" cy="21828"/>
             </a:xfrm>
             <a:custGeom>
@@ -21862,7 +21862,7 @@
           </p:nvSpPr>
           <p:spPr>
             <a:xfrm>
-              <a:off x="3225001" y="2551961"/>
+              <a:off x="3223257" y="2554250"/>
               <a:ext cx="38417" cy="21391"/>
             </a:xfrm>
             <a:custGeom>
@@ -21905,7 +21905,7 @@
           </p:nvSpPr>
           <p:spPr>
             <a:xfrm>
-              <a:off x="3205792" y="2595617"/>
+              <a:off x="3204049" y="2597906"/>
               <a:ext cx="76398" cy="8294"/>
             </a:xfrm>
             <a:custGeom>
@@ -21948,7 +21948,7 @@
           </p:nvSpPr>
           <p:spPr>
             <a:xfrm>
-              <a:off x="3307511" y="2510924"/>
+              <a:off x="3305768" y="2513213"/>
               <a:ext cx="68976" cy="39727"/>
             </a:xfrm>
             <a:custGeom>
@@ -21991,7 +21991,7 @@
           </p:nvSpPr>
           <p:spPr>
             <a:xfrm>
-              <a:off x="3315806" y="2518782"/>
+              <a:off x="3314062" y="2521071"/>
               <a:ext cx="52387" cy="8294"/>
             </a:xfrm>
             <a:custGeom>
@@ -22034,7 +22034,7 @@
           </p:nvSpPr>
           <p:spPr>
             <a:xfrm>
-              <a:off x="3315806" y="2534062"/>
+              <a:off x="3314062" y="2536351"/>
               <a:ext cx="52387" cy="8731"/>
             </a:xfrm>
             <a:custGeom>
@@ -22077,7 +22077,7 @@
           </p:nvSpPr>
           <p:spPr>
             <a:xfrm>
-              <a:off x="3290485" y="2556763"/>
+              <a:off x="3288742" y="2559052"/>
               <a:ext cx="102155" cy="52387"/>
             </a:xfrm>
             <a:custGeom>
@@ -22238,7 +22238,7 @@
                     <a:pt x="8962" y="50689"/>
                   </a:lnTo>
                   <a:lnTo>
-                    <a:pt x="6984" y="52387"/>
+                    <a:pt x="6985" y="52387"/>
                   </a:lnTo>
                   <a:lnTo>
                     <a:pt x="0" y="45402"/>
@@ -22366,7 +22366,7 @@
           </p:nvSpPr>
           <p:spPr>
             <a:xfrm>
-              <a:off x="3405301" y="2510488"/>
+              <a:off x="3403558" y="2512776"/>
               <a:ext cx="96916" cy="46275"/>
             </a:xfrm>
             <a:custGeom>
@@ -22457,7 +22457,7 @@
           </p:nvSpPr>
           <p:spPr>
             <a:xfrm>
-              <a:off x="3418398" y="2537118"/>
+              <a:off x="3416655" y="2539407"/>
               <a:ext cx="26630" cy="6985"/>
             </a:xfrm>
             <a:custGeom>
@@ -22500,7 +22500,7 @@
           </p:nvSpPr>
           <p:spPr>
             <a:xfrm>
-              <a:off x="3462491" y="2537118"/>
+              <a:off x="3460747" y="2539407"/>
               <a:ext cx="26630" cy="6985"/>
             </a:xfrm>
             <a:custGeom>
@@ -22543,7 +22543,7 @@
           </p:nvSpPr>
           <p:spPr>
             <a:xfrm>
-              <a:off x="3417962" y="2549342"/>
+              <a:off x="3416218" y="2551631"/>
               <a:ext cx="26630" cy="6548"/>
             </a:xfrm>
             <a:custGeom>
@@ -22586,7 +22586,7 @@
           </p:nvSpPr>
           <p:spPr>
             <a:xfrm>
-              <a:off x="3462054" y="2549342"/>
+              <a:off x="3460311" y="2551631"/>
               <a:ext cx="26630" cy="6548"/>
             </a:xfrm>
             <a:custGeom>
@@ -22629,7 +22629,7 @@
           </p:nvSpPr>
           <p:spPr>
             <a:xfrm>
-              <a:off x="3407484" y="2561566"/>
+              <a:off x="3405741" y="2563854"/>
               <a:ext cx="92551" cy="48021"/>
             </a:xfrm>
             <a:custGeom>
@@ -22912,7 +22912,7 @@
           </p:nvSpPr>
           <p:spPr>
             <a:xfrm>
-              <a:off x="2620362" y="2679647"/>
+              <a:off x="2618618" y="2681936"/>
               <a:ext cx="100845" cy="50641"/>
             </a:xfrm>
             <a:custGeom>
@@ -22965,7 +22965,7 @@
                     <a:pt x="70242" y="29612"/>
                   </a:lnTo>
                   <a:lnTo>
-                    <a:pt x="68453" y="31205"/>
+                    <a:pt x="68452" y="31205"/>
                   </a:lnTo>
                   <a:lnTo>
                     <a:pt x="66575" y="32685"/>
@@ -23159,7 +23159,7 @@
           </p:nvSpPr>
           <p:spPr>
             <a:xfrm>
-              <a:off x="2650921" y="2694927"/>
+              <a:off x="2649178" y="2697215"/>
               <a:ext cx="40163" cy="16152"/>
             </a:xfrm>
             <a:custGeom>
@@ -23194,7 +23194,7 @@
                     <a:pt x="37893" y="3719"/>
                   </a:lnTo>
                   <a:lnTo>
-                    <a:pt x="39115" y="1890"/>
+                    <a:pt x="39116" y="1890"/>
                   </a:lnTo>
                   <a:lnTo>
                     <a:pt x="40163" y="0"/>
@@ -23256,7 +23256,7 @@
           </p:nvSpPr>
           <p:spPr>
             <a:xfrm>
-              <a:off x="2624291" y="2632498"/>
+              <a:off x="2622547" y="2634787"/>
               <a:ext cx="94297" cy="44529"/>
             </a:xfrm>
             <a:custGeom>
@@ -23323,7 +23323,7 @@
           </p:nvSpPr>
           <p:spPr>
             <a:xfrm>
-              <a:off x="2663145" y="2640793"/>
+              <a:off x="2661402" y="2643082"/>
               <a:ext cx="17462" cy="8731"/>
             </a:xfrm>
             <a:custGeom>
@@ -23366,7 +23366,7 @@
           </p:nvSpPr>
           <p:spPr>
             <a:xfrm>
-              <a:off x="2638261" y="2656946"/>
+              <a:off x="2636517" y="2659234"/>
               <a:ext cx="17025" cy="12660"/>
             </a:xfrm>
             <a:custGeom>
@@ -23409,7 +23409,7 @@
           </p:nvSpPr>
           <p:spPr>
             <a:xfrm>
-              <a:off x="2663145" y="2656946"/>
+              <a:off x="2661402" y="2659234"/>
               <a:ext cx="17462" cy="12660"/>
             </a:xfrm>
             <a:custGeom>
@@ -23452,7 +23452,7 @@
           </p:nvSpPr>
           <p:spPr>
             <a:xfrm>
-              <a:off x="2688466" y="2656946"/>
+              <a:off x="2686722" y="2659234"/>
               <a:ext cx="16152" cy="12660"/>
             </a:xfrm>
             <a:custGeom>
@@ -23495,7 +23495,7 @@
           </p:nvSpPr>
           <p:spPr>
             <a:xfrm>
-              <a:off x="2739107" y="2630315"/>
+              <a:off x="2737363" y="2632604"/>
               <a:ext cx="89931" cy="99536"/>
             </a:xfrm>
             <a:custGeom>
@@ -24132,7 +24132,7 @@
           </p:nvSpPr>
           <p:spPr>
             <a:xfrm>
-              <a:off x="2732995" y="2697983"/>
+              <a:off x="2731252" y="2700271"/>
               <a:ext cx="33178" cy="28813"/>
             </a:xfrm>
             <a:custGeom>
@@ -24229,7 +24229,7 @@
           </p:nvSpPr>
           <p:spPr>
             <a:xfrm>
-              <a:off x="2797606" y="2697983"/>
+              <a:off x="2795863" y="2700271"/>
               <a:ext cx="29686" cy="28813"/>
             </a:xfrm>
             <a:custGeom>
@@ -24326,7 +24326,7 @@
           </p:nvSpPr>
           <p:spPr>
             <a:xfrm>
-              <a:off x="2845628" y="2629442"/>
+              <a:off x="2843885" y="2631731"/>
               <a:ext cx="38417" cy="69413"/>
             </a:xfrm>
             <a:custGeom>
@@ -24615,7 +24615,7 @@
           </p:nvSpPr>
           <p:spPr>
             <a:xfrm>
-              <a:off x="2844755" y="2702785"/>
+              <a:off x="2843012" y="2705073"/>
               <a:ext cx="38417" cy="17899"/>
             </a:xfrm>
             <a:custGeom>
@@ -24712,7 +24712,7 @@
           </p:nvSpPr>
           <p:spPr>
             <a:xfrm>
-              <a:off x="2881426" y="2629442"/>
+              <a:off x="2879683" y="2631731"/>
               <a:ext cx="63738" cy="100409"/>
             </a:xfrm>
             <a:custGeom>
@@ -24975,7 +24975,7 @@
                     <a:pt x="42444" y="89135"/>
                   </a:lnTo>
                   <a:lnTo>
-                    <a:pt x="42521" y="89407"/>
+                    <a:pt x="42521" y="89408"/>
                   </a:lnTo>
                   <a:lnTo>
                     <a:pt x="42619" y="89659"/>
@@ -25391,7 +25391,7 @@
           </p:nvSpPr>
           <p:spPr>
             <a:xfrm>
-              <a:off x="2954769" y="2629006"/>
+              <a:off x="2953025" y="2631294"/>
               <a:ext cx="52387" cy="100845"/>
             </a:xfrm>
             <a:custGeom>
@@ -25626,7 +25626,7 @@
           </p:nvSpPr>
           <p:spPr>
             <a:xfrm>
-              <a:off x="3013268" y="2638610"/>
+              <a:off x="3011525" y="2640899"/>
               <a:ext cx="39727" cy="85566"/>
             </a:xfrm>
             <a:custGeom>
@@ -25681,7 +25681,7 @@
           </p:nvSpPr>
           <p:spPr>
             <a:xfrm>
-              <a:off x="3021563" y="2646468"/>
+              <a:off x="3019819" y="2648757"/>
               <a:ext cx="23137" cy="61991"/>
             </a:xfrm>
             <a:custGeom>
@@ -25724,7 +25724,7 @@
           </p:nvSpPr>
           <p:spPr>
             <a:xfrm>
-              <a:off x="3087047" y="2644285"/>
+              <a:off x="3085304" y="2646574"/>
               <a:ext cx="60682" cy="67230"/>
             </a:xfrm>
             <a:custGeom>
@@ -26034,7 +26034,7 @@
           </p:nvSpPr>
           <p:spPr>
             <a:xfrm>
-              <a:off x="3072641" y="2632935"/>
+              <a:off x="3070897" y="2635223"/>
               <a:ext cx="91678" cy="96916"/>
             </a:xfrm>
             <a:custGeom>
@@ -26089,7 +26089,7 @@
           </p:nvSpPr>
           <p:spPr>
             <a:xfrm>
-              <a:off x="3081372" y="2641229"/>
+              <a:off x="3079628" y="2643518"/>
               <a:ext cx="74215" cy="74215"/>
             </a:xfrm>
             <a:custGeom>
@@ -26132,7 +26132,7 @@
           </p:nvSpPr>
           <p:spPr>
             <a:xfrm>
-              <a:off x="3183528" y="2632935"/>
+              <a:off x="3181784" y="2635223"/>
               <a:ext cx="37107" cy="97353"/>
             </a:xfrm>
             <a:custGeom>
@@ -26430,7 +26430,7 @@
           </p:nvSpPr>
           <p:spPr>
             <a:xfrm>
-              <a:off x="3211031" y="2629442"/>
+              <a:off x="3209287" y="2631731"/>
               <a:ext cx="70286" cy="101282"/>
             </a:xfrm>
             <a:custGeom>
@@ -26660,7 +26660,7 @@
                     <a:pt x="70286" y="92987"/>
                   </a:lnTo>
                   <a:lnTo>
-                    <a:pt x="62865" y="99972"/>
+                    <a:pt x="62864" y="99972"/>
                   </a:lnTo>
                   <a:lnTo>
                     <a:pt x="59215" y="96462"/>
@@ -26713,13 +26713,13 @@
           </p:nvSpPr>
           <p:spPr>
             <a:xfrm>
-              <a:off x="3293541" y="2629442"/>
-              <a:ext cx="97789" cy="100845"/>
+              <a:off x="3291798" y="2631731"/>
+              <a:ext cx="97790" cy="100845"/>
             </a:xfrm>
             <a:custGeom>
               <a:avLst/>
               <a:pathLst>
-                <a:path w="97789" h="100845">
+                <a:path w="97790" h="100845">
                   <a:moveTo>
                     <a:pt x="436" y="14406"/>
                   </a:moveTo>
@@ -26799,7 +26799,7 @@
                     <a:pt x="77162" y="86548"/>
                   </a:lnTo>
                   <a:lnTo>
-                    <a:pt x="81025" y="87609"/>
+                    <a:pt x="81026" y="87609"/>
                   </a:lnTo>
                   <a:lnTo>
                     <a:pt x="85020" y="88609"/>
@@ -26811,7 +26811,7 @@
                     <a:pt x="93402" y="90425"/>
                   </a:lnTo>
                   <a:lnTo>
-                    <a:pt x="97789" y="91241"/>
+                    <a:pt x="97790" y="91241"/>
                   </a:lnTo>
                   <a:lnTo>
                     <a:pt x="94297" y="100845"/>
@@ -26859,7 +26859,7 @@
                     <a:pt x="32672" y="93546"/>
                   </a:lnTo>
                   <a:lnTo>
-                    <a:pt x="27939" y="95061"/>
+                    <a:pt x="27940" y="95061"/>
                   </a:lnTo>
                   <a:lnTo>
                     <a:pt x="23067" y="96427"/>
@@ -26922,7 +26922,7 @@
                     <a:pt x="30611" y="70077"/>
                   </a:lnTo>
                   <a:lnTo>
-                    <a:pt x="27939" y="66903"/>
+                    <a:pt x="27940" y="66903"/>
                   </a:lnTo>
                   <a:lnTo>
                     <a:pt x="25373" y="63528"/>
@@ -26978,7 +26978,7 @@
           </p:nvSpPr>
           <p:spPr>
             <a:xfrm>
-              <a:off x="3318862" y="2677464"/>
+              <a:off x="3317118" y="2679753"/>
               <a:ext cx="51077" cy="27939"/>
             </a:xfrm>
             <a:custGeom>
@@ -27072,7 +27072,7 @@
           </p:nvSpPr>
           <p:spPr>
             <a:xfrm>
-              <a:off x="3402245" y="2629442"/>
+              <a:off x="3400502" y="2631731"/>
               <a:ext cx="41473" cy="100409"/>
             </a:xfrm>
             <a:custGeom>
@@ -27340,7 +27340,7 @@
           </p:nvSpPr>
           <p:spPr>
             <a:xfrm>
-              <a:off x="3445465" y="2629006"/>
+              <a:off x="3443722" y="2631294"/>
               <a:ext cx="58062" cy="42346"/>
             </a:xfrm>
             <a:custGeom>
@@ -27419,7 +27419,7 @@
           </p:nvSpPr>
           <p:spPr>
             <a:xfrm>
-              <a:off x="3445902" y="2674408"/>
+              <a:off x="3444158" y="2676697"/>
               <a:ext cx="58062" cy="55443"/>
             </a:xfrm>
             <a:custGeom>
@@ -27636,7 +27636,7 @@
           </p:nvSpPr>
           <p:spPr>
             <a:xfrm>
-              <a:off x="3451140" y="2696673"/>
+              <a:off x="3449397" y="2698962"/>
               <a:ext cx="17462" cy="19208"/>
             </a:xfrm>
             <a:custGeom>
@@ -27733,7 +27733,7 @@
           </p:nvSpPr>
           <p:spPr>
             <a:xfrm>
-              <a:off x="2416214" y="2342165"/>
+              <a:off x="2414471" y="2343574"/>
               <a:ext cx="52387" cy="79781"/>
             </a:xfrm>
             <a:custGeom>
@@ -28256,7 +28256,7 @@
           </p:nvSpPr>
           <p:spPr>
             <a:xfrm>
-              <a:off x="2426364" y="2350842"/>
+              <a:off x="2424621" y="2352250"/>
               <a:ext cx="29631" cy="25156"/>
             </a:xfrm>
             <a:custGeom>
@@ -28476,7 +28476,7 @@
           </p:nvSpPr>
           <p:spPr>
             <a:xfrm>
-              <a:off x="2426364" y="2384512"/>
+              <a:off x="2424621" y="2385920"/>
               <a:ext cx="31541" cy="28813"/>
             </a:xfrm>
             <a:custGeom>
@@ -28756,7 +28756,7 @@
           </p:nvSpPr>
           <p:spPr>
             <a:xfrm>
-              <a:off x="2493977" y="2405358"/>
+              <a:off x="2492234" y="2406766"/>
               <a:ext cx="17025" cy="16589"/>
             </a:xfrm>
             <a:custGeom>
@@ -28799,7 +28799,7 @@
           </p:nvSpPr>
           <p:spPr>
             <a:xfrm>
-              <a:off x="2622108" y="2331142"/>
+              <a:off x="2620365" y="2332550"/>
               <a:ext cx="97353" cy="101282"/>
             </a:xfrm>
             <a:custGeom>
@@ -28858,7 +28858,7 @@
                     <a:pt x="47428" y="5937"/>
                   </a:lnTo>
                   <a:lnTo>
-                    <a:pt x="47039" y="6985"/>
+                    <a:pt x="47039" y="6984"/>
                   </a:lnTo>
                   <a:lnTo>
                     <a:pt x="46642" y="8032"/>
@@ -29178,7 +29178,7 @@
           </p:nvSpPr>
           <p:spPr>
             <a:xfrm>
-              <a:off x="2653104" y="2373052"/>
+              <a:off x="2651361" y="2374460"/>
               <a:ext cx="48894" cy="10477"/>
             </a:xfrm>
             <a:custGeom>
@@ -29221,7 +29221,7 @@
           </p:nvSpPr>
           <p:spPr>
             <a:xfrm>
-              <a:off x="2653104" y="2391388"/>
+              <a:off x="2651361" y="2392796"/>
               <a:ext cx="48894" cy="10040"/>
             </a:xfrm>
             <a:custGeom>
@@ -29264,7 +29264,7 @@
           </p:nvSpPr>
           <p:spPr>
             <a:xfrm>
-              <a:off x="2770539" y="2333761"/>
+              <a:off x="2768796" y="2335170"/>
               <a:ext cx="19208" cy="37544"/>
             </a:xfrm>
             <a:custGeom>
@@ -29361,7 +29361,7 @@
           </p:nvSpPr>
           <p:spPr>
             <a:xfrm>
-              <a:off x="2734305" y="2339000"/>
+              <a:off x="2732561" y="2340409"/>
               <a:ext cx="97789" cy="50641"/>
             </a:xfrm>
             <a:custGeom>
@@ -29470,7 +29470,7 @@
           </p:nvSpPr>
           <p:spPr>
             <a:xfrm>
-              <a:off x="2739980" y="2343366"/>
+              <a:off x="2738237" y="2344774"/>
               <a:ext cx="24010" cy="30559"/>
             </a:xfrm>
             <a:custGeom>
@@ -29490,7 +29490,7 @@
                     <a:pt x="13529" y="7268"/>
                   </a:lnTo>
                   <a:lnTo>
-                    <a:pt x="15262" y="9779"/>
+                    <a:pt x="15262" y="9778"/>
                   </a:lnTo>
                   <a:lnTo>
                     <a:pt x="16916" y="12332"/>
@@ -29567,7 +29567,7 @@
           </p:nvSpPr>
           <p:spPr>
             <a:xfrm>
-              <a:off x="2735178" y="2397500"/>
+              <a:off x="2733434" y="2398908"/>
               <a:ext cx="37107" cy="35361"/>
             </a:xfrm>
             <a:custGeom>
@@ -29664,7 +29664,7 @@
           </p:nvSpPr>
           <p:spPr>
             <a:xfrm>
-              <a:off x="2791058" y="2397936"/>
+              <a:off x="2789314" y="2399345"/>
               <a:ext cx="38854" cy="34925"/>
             </a:xfrm>
             <a:custGeom>
@@ -29684,7 +29684,7 @@
                     <a:pt x="16759" y="7203"/>
                   </a:lnTo>
                   <a:lnTo>
-                    <a:pt x="20151" y="9779"/>
+                    <a:pt x="20151" y="9778"/>
                   </a:lnTo>
                   <a:lnTo>
                     <a:pt x="23465" y="12442"/>
@@ -29696,7 +29696,7 @@
                     <a:pt x="29856" y="18030"/>
                   </a:lnTo>
                   <a:lnTo>
-                    <a:pt x="32934" y="20955"/>
+                    <a:pt x="32934" y="20954"/>
                   </a:lnTo>
                   <a:lnTo>
                     <a:pt x="35933" y="23967"/>
@@ -29761,7 +29761,7 @@
           </p:nvSpPr>
           <p:spPr>
             <a:xfrm>
-              <a:off x="2843445" y="2331579"/>
+              <a:off x="2841702" y="2332987"/>
               <a:ext cx="103028" cy="101282"/>
             </a:xfrm>
             <a:custGeom>
@@ -29964,7 +29964,7 @@
                     <a:pt x="28376" y="65047"/>
                   </a:lnTo>
                   <a:lnTo>
-                    <a:pt x="28376" y="83819"/>
+                    <a:pt x="28376" y="83820"/>
                   </a:lnTo>
                   <a:lnTo>
                     <a:pt x="29467" y="84498"/>
@@ -30116,7 +30116,7 @@
           </p:nvSpPr>
           <p:spPr>
             <a:xfrm>
-              <a:off x="2882299" y="2335071"/>
+              <a:off x="2880556" y="2336480"/>
               <a:ext cx="36234" cy="83383"/>
             </a:xfrm>
             <a:custGeom>
@@ -30276,7 +30276,7 @@
           </p:nvSpPr>
           <p:spPr>
             <a:xfrm>
-              <a:off x="2895396" y="2342493"/>
+              <a:off x="2893653" y="2343901"/>
               <a:ext cx="10040" cy="13096"/>
             </a:xfrm>
             <a:custGeom>
@@ -30319,7 +30319,7 @@
           </p:nvSpPr>
           <p:spPr>
             <a:xfrm>
-              <a:off x="2895396" y="2363011"/>
+              <a:off x="2893653" y="2364420"/>
               <a:ext cx="10040" cy="13969"/>
             </a:xfrm>
             <a:custGeom>
@@ -30362,7 +30362,7 @@
           </p:nvSpPr>
           <p:spPr>
             <a:xfrm>
-              <a:off x="2895396" y="2384403"/>
+              <a:off x="2893653" y="2385811"/>
               <a:ext cx="10040" cy="14843"/>
             </a:xfrm>
             <a:custGeom>
@@ -30432,7 +30432,7 @@
           </p:nvSpPr>
           <p:spPr>
             <a:xfrm>
-              <a:off x="2915042" y="2343366"/>
+              <a:off x="2913298" y="2344774"/>
               <a:ext cx="29686" cy="72905"/>
             </a:xfrm>
             <a:custGeom>
@@ -30560,7 +30560,7 @@
                     <a:pt x="23956" y="34270"/>
                   </a:lnTo>
                   <a:lnTo>
-                    <a:pt x="23364" y="36322"/>
+                    <a:pt x="23364" y="36321"/>
                   </a:lnTo>
                   <a:lnTo>
                     <a:pt x="22768" y="38286"/>
@@ -30754,7 +30754,7 @@
           </p:nvSpPr>
           <p:spPr>
             <a:xfrm>
-              <a:off x="2969175" y="2405358"/>
+              <a:off x="2967432" y="2406766"/>
               <a:ext cx="17899" cy="30122"/>
             </a:xfrm>
             <a:custGeom>
@@ -30806,7 +30806,7 @@
           </p:nvSpPr>
           <p:spPr>
             <a:xfrm>
-              <a:off x="3066529" y="2334635"/>
+              <a:off x="3064785" y="2336043"/>
               <a:ext cx="98226" cy="96916"/>
             </a:xfrm>
             <a:custGeom>
@@ -31131,7 +31131,7 @@
           </p:nvSpPr>
           <p:spPr>
             <a:xfrm>
-              <a:off x="3102327" y="2355590"/>
+              <a:off x="3100583" y="2356998"/>
               <a:ext cx="47148" cy="4802"/>
             </a:xfrm>
             <a:custGeom>
@@ -31174,7 +31174,7 @@
           </p:nvSpPr>
           <p:spPr>
             <a:xfrm>
-              <a:off x="3102327" y="2366940"/>
+              <a:off x="3100583" y="2368349"/>
               <a:ext cx="47148" cy="5238"/>
             </a:xfrm>
             <a:custGeom>
@@ -31217,7 +31217,7 @@
           </p:nvSpPr>
           <p:spPr>
             <a:xfrm>
-              <a:off x="3086611" y="2381783"/>
+              <a:off x="3084867" y="2383192"/>
               <a:ext cx="24447" cy="18772"/>
             </a:xfrm>
             <a:custGeom>
@@ -31314,7 +31314,7 @@
           </p:nvSpPr>
           <p:spPr>
             <a:xfrm>
-              <a:off x="3138125" y="2382220"/>
+              <a:off x="3136382" y="2383628"/>
               <a:ext cx="25757" cy="18772"/>
             </a:xfrm>
             <a:custGeom>
@@ -31411,7 +31411,7 @@
           </p:nvSpPr>
           <p:spPr>
             <a:xfrm>
-              <a:off x="3149039" y="2403175"/>
+              <a:off x="3147296" y="2404583"/>
               <a:ext cx="20081" cy="24884"/>
             </a:xfrm>
             <a:custGeom>
@@ -31508,7 +31508,7 @@
           </p:nvSpPr>
           <p:spPr>
             <a:xfrm>
-              <a:off x="3118480" y="2404048"/>
+              <a:off x="3116736" y="2405456"/>
               <a:ext cx="16589" cy="14843"/>
             </a:xfrm>
             <a:custGeom>
@@ -31605,7 +31605,7 @@
           </p:nvSpPr>
           <p:spPr>
             <a:xfrm>
-              <a:off x="3104510" y="2404485"/>
+              <a:off x="3102766" y="2405893"/>
               <a:ext cx="45839" cy="25757"/>
             </a:xfrm>
             <a:custGeom>
@@ -31888,7 +31888,7 @@
           </p:nvSpPr>
           <p:spPr>
             <a:xfrm>
-              <a:off x="3081372" y="2405358"/>
+              <a:off x="3079628" y="2406766"/>
               <a:ext cx="19645" cy="23574"/>
             </a:xfrm>
             <a:custGeom>
@@ -31985,7 +31985,7 @@
           </p:nvSpPr>
           <p:spPr>
             <a:xfrm>
-              <a:off x="3181345" y="2330269"/>
+              <a:off x="3179601" y="2331677"/>
               <a:ext cx="98226" cy="33615"/>
             </a:xfrm>
             <a:custGeom>
@@ -32032,7 +32032,7 @@
                     <a:pt x="91241" y="15716"/>
                   </a:lnTo>
                   <a:lnTo>
-                    <a:pt x="76834" y="15716"/>
+                    <a:pt x="76835" y="15716"/>
                   </a:lnTo>
                   <a:lnTo>
                     <a:pt x="76463" y="16528"/>
@@ -32092,7 +32092,7 @@
                     <a:pt x="23801" y="22002"/>
                   </a:lnTo>
                   <a:lnTo>
-                    <a:pt x="23246" y="20955"/>
+                    <a:pt x="23246" y="20954"/>
                   </a:lnTo>
                   <a:lnTo>
                     <a:pt x="22666" y="19907"/>
@@ -32172,7 +32172,7 @@
           </p:nvSpPr>
           <p:spPr>
             <a:xfrm>
-              <a:off x="3211904" y="2345985"/>
+              <a:off x="3210161" y="2347394"/>
               <a:ext cx="35798" cy="10477"/>
             </a:xfrm>
             <a:custGeom>
@@ -32240,7 +32240,7 @@
                     <a:pt x="3636" y="7334"/>
                   </a:lnTo>
                   <a:lnTo>
-                    <a:pt x="4051" y="8382"/>
+                    <a:pt x="4051" y="8381"/>
                   </a:lnTo>
                   <a:lnTo>
                     <a:pt x="4439" y="9429"/>
@@ -32269,7 +32269,7 @@
           </p:nvSpPr>
           <p:spPr>
             <a:xfrm>
-              <a:off x="3192695" y="2369560"/>
+              <a:off x="3190952" y="2370968"/>
               <a:ext cx="73779" cy="32742"/>
             </a:xfrm>
             <a:custGeom>
@@ -32312,7 +32312,7 @@
           </p:nvSpPr>
           <p:spPr>
             <a:xfrm>
-              <a:off x="3201427" y="2376981"/>
+              <a:off x="3199683" y="2378390"/>
               <a:ext cx="56316" cy="6111"/>
             </a:xfrm>
             <a:custGeom>
@@ -32355,7 +32355,7 @@
           </p:nvSpPr>
           <p:spPr>
             <a:xfrm>
-              <a:off x="3201427" y="2388768"/>
+              <a:off x="3199683" y="2390177"/>
               <a:ext cx="56316" cy="6548"/>
             </a:xfrm>
             <a:custGeom>
@@ -32398,7 +32398,7 @@
           </p:nvSpPr>
           <p:spPr>
             <a:xfrm>
-              <a:off x="3261236" y="2404921"/>
+              <a:off x="3259492" y="2406330"/>
               <a:ext cx="19645" cy="24447"/>
             </a:xfrm>
             <a:custGeom>
@@ -32495,7 +32495,7 @@
           </p:nvSpPr>
           <p:spPr>
             <a:xfrm>
-              <a:off x="3223691" y="2404921"/>
+              <a:off x="3221948" y="2406330"/>
               <a:ext cx="13096" cy="13533"/>
             </a:xfrm>
             <a:custGeom>
@@ -32592,7 +32592,7 @@
           </p:nvSpPr>
           <p:spPr>
             <a:xfrm>
-              <a:off x="3180035" y="2405794"/>
+              <a:off x="3178292" y="2407203"/>
               <a:ext cx="20081" cy="24010"/>
             </a:xfrm>
             <a:custGeom>
@@ -32689,7 +32689,7 @@
           </p:nvSpPr>
           <p:spPr>
             <a:xfrm>
-              <a:off x="3204483" y="2407104"/>
+              <a:off x="3202739" y="2408512"/>
               <a:ext cx="56316" cy="23574"/>
             </a:xfrm>
             <a:custGeom>
@@ -32823,7 +32823,7 @@
                     <a:pt x="45140" y="14057"/>
                   </a:lnTo>
                   <a:lnTo>
-                    <a:pt x="45402" y="13970"/>
+                    <a:pt x="45402" y="13969"/>
                   </a:lnTo>
                   <a:lnTo>
                     <a:pt x="45660" y="13563"/>
@@ -33002,7 +33002,7 @@
           </p:nvSpPr>
           <p:spPr>
             <a:xfrm>
-              <a:off x="3295288" y="2331579"/>
+              <a:off x="3293544" y="2332987"/>
               <a:ext cx="93424" cy="48021"/>
             </a:xfrm>
             <a:custGeom>
@@ -33135,7 +33135,7 @@
           </p:nvSpPr>
           <p:spPr>
             <a:xfrm>
-              <a:off x="3308384" y="2334635"/>
+              <a:off x="3306641" y="2336043"/>
               <a:ext cx="18772" cy="18335"/>
             </a:xfrm>
             <a:custGeom>
@@ -33232,7 +33232,7 @@
           </p:nvSpPr>
           <p:spPr>
             <a:xfrm>
-              <a:off x="3313623" y="2371742"/>
+              <a:off x="3311880" y="2373151"/>
               <a:ext cx="56316" cy="8294"/>
             </a:xfrm>
             <a:custGeom>
@@ -33275,7 +33275,7 @@
           </p:nvSpPr>
           <p:spPr>
             <a:xfrm>
-              <a:off x="3297470" y="2390078"/>
+              <a:off x="3295727" y="2391486"/>
               <a:ext cx="87749" cy="41473"/>
             </a:xfrm>
             <a:custGeom>
@@ -33322,7 +33322,7 @@
                     <a:pt x="22705" y="29511"/>
                   </a:lnTo>
                   <a:lnTo>
-                    <a:pt x="20955" y="30995"/>
+                    <a:pt x="20954" y="30995"/>
                   </a:lnTo>
                   <a:lnTo>
                     <a:pt x="25429" y="30799"/>
@@ -33334,7 +33334,7 @@
                     <a:pt x="34510" y="30275"/>
                   </a:lnTo>
                   <a:lnTo>
-                    <a:pt x="39116" y="29948"/>
+                    <a:pt x="39115" y="29948"/>
                   </a:lnTo>
                   <a:lnTo>
                     <a:pt x="43765" y="29577"/>
@@ -33513,7 +33513,7 @@
           </p:nvSpPr>
           <p:spPr>
             <a:xfrm>
-              <a:off x="3411850" y="2331579"/>
+              <a:off x="3410106" y="2332987"/>
               <a:ext cx="19208" cy="23137"/>
             </a:xfrm>
             <a:custGeom>
@@ -33610,7 +33610,7 @@
           </p:nvSpPr>
           <p:spPr>
             <a:xfrm>
-              <a:off x="3403555" y="2363884"/>
+              <a:off x="3401812" y="2365293"/>
               <a:ext cx="33615" cy="62428"/>
             </a:xfrm>
             <a:custGeom>
@@ -33695,7 +33695,7 @@
           </p:nvSpPr>
           <p:spPr>
             <a:xfrm>
-              <a:off x="3441099" y="2331579"/>
+              <a:off x="3439356" y="2332987"/>
               <a:ext cx="63738" cy="100409"/>
             </a:xfrm>
             <a:custGeom>
@@ -34050,7 +34050,7 @@
           </p:nvSpPr>
           <p:spPr>
             <a:xfrm>
-              <a:off x="3484319" y="2332015"/>
+              <a:off x="3482576" y="2333424"/>
               <a:ext cx="14843" cy="16152"/>
             </a:xfrm>
             <a:custGeom>
@@ -34147,7 +34147,7 @@
           </p:nvSpPr>
           <p:spPr>
             <a:xfrm>
-              <a:off x="3437607" y="2375235"/>
+              <a:off x="3435863" y="2376643"/>
               <a:ext cx="36671" cy="49768"/>
             </a:xfrm>
             <a:custGeom>
@@ -34295,7 +34295,7 @@
           </p:nvSpPr>
           <p:spPr>
             <a:xfrm>
-              <a:off x="2965628" y="2104325"/>
+              <a:off x="2963885" y="2104853"/>
               <a:ext cx="67940" cy="80109"/>
             </a:xfrm>
             <a:custGeom>
@@ -34350,7 +34350,7 @@
           </p:nvSpPr>
           <p:spPr>
             <a:xfrm>
-              <a:off x="2988002" y="2115239"/>
+              <a:off x="2986259" y="2115767"/>
               <a:ext cx="23246" cy="35470"/>
             </a:xfrm>
             <a:custGeom>
@@ -34630,7 +34630,7 @@
           </p:nvSpPr>
           <p:spPr>
             <a:xfrm>
-              <a:off x="3052777" y="2167844"/>
+              <a:off x="3051034" y="2168373"/>
               <a:ext cx="17025" cy="16589"/>
             </a:xfrm>
             <a:custGeom>
@@ -34673,7 +34673,7 @@
           </p:nvSpPr>
           <p:spPr>
             <a:xfrm>
-              <a:off x="3180035" y="2099741"/>
+              <a:off x="3178292" y="2100269"/>
               <a:ext cx="100409" cy="91241"/>
             </a:xfrm>
             <a:custGeom>
@@ -34764,7 +34764,7 @@
           </p:nvSpPr>
           <p:spPr>
             <a:xfrm>
-              <a:off x="3289612" y="2093629"/>
+              <a:off x="3287869" y="2094157"/>
               <a:ext cx="101282" cy="100409"/>
             </a:xfrm>
             <a:custGeom>
@@ -34808,7 +34808,7 @@
                     <a:pt x="40163" y="0"/>
                   </a:lnTo>
                   <a:lnTo>
-                    <a:pt x="48895" y="1746"/>
+                    <a:pt x="48894" y="1746"/>
                   </a:lnTo>
                   <a:lnTo>
                     <a:pt x="48458" y="3047"/>
@@ -35014,7 +35014,7 @@
           </p:nvSpPr>
           <p:spPr>
             <a:xfrm>
-              <a:off x="3318862" y="2121132"/>
+              <a:off x="3317118" y="2121660"/>
               <a:ext cx="71159" cy="68540"/>
             </a:xfrm>
             <a:custGeom>
@@ -35093,7 +35093,7 @@
           </p:nvSpPr>
           <p:spPr>
             <a:xfrm>
-              <a:off x="3402245" y="2094065"/>
+              <a:off x="3400502" y="2094594"/>
               <a:ext cx="30559" cy="100409"/>
             </a:xfrm>
             <a:custGeom>
@@ -35229,7 +35229,7 @@
           </p:nvSpPr>
           <p:spPr>
             <a:xfrm>
-              <a:off x="3429312" y="2094938"/>
+              <a:off x="3427569" y="2095467"/>
               <a:ext cx="36234" cy="89931"/>
             </a:xfrm>
             <a:custGeom>
@@ -35237,7 +35237,7 @@
               <a:pathLst>
                 <a:path w="36234" h="89931">
                   <a:moveTo>
-                    <a:pt x="13970" y="0"/>
+                    <a:pt x="13969" y="0"/>
                   </a:moveTo>
                   <a:lnTo>
                     <a:pt x="22264" y="0"/>
@@ -35282,10 +35282,10 @@
                     <a:pt x="2182" y="47585"/>
                   </a:lnTo>
                   <a:lnTo>
-                    <a:pt x="13970" y="47585"/>
-                  </a:lnTo>
-                  <a:lnTo>
-                    <a:pt x="13970" y="27503"/>
+                    <a:pt x="13969" y="47585"/>
+                  </a:lnTo>
+                  <a:lnTo>
+                    <a:pt x="13969" y="27503"/>
                   </a:lnTo>
                   <a:lnTo>
                     <a:pt x="0" y="27503"/>
@@ -35294,7 +35294,7 @@
                     <a:pt x="0" y="19645"/>
                   </a:lnTo>
                   <a:lnTo>
-                    <a:pt x="13970" y="19645"/>
+                    <a:pt x="13969" y="19645"/>
                   </a:lnTo>
                   <a:close/>
                 </a:path>
@@ -35320,7 +35320,7 @@
           </p:nvSpPr>
           <p:spPr>
             <a:xfrm>
-              <a:off x="3440226" y="2150382"/>
+              <a:off x="3438483" y="2150910"/>
               <a:ext cx="14843" cy="17899"/>
             </a:xfrm>
             <a:custGeom>
@@ -35363,7 +35363,7 @@
           </p:nvSpPr>
           <p:spPr>
             <a:xfrm>
-              <a:off x="3464237" y="2094502"/>
+              <a:off x="3462494" y="2095030"/>
               <a:ext cx="40163" cy="99536"/>
             </a:xfrm>
             <a:custGeom>
@@ -35661,7 +35661,7 @@
           </p:nvSpPr>
           <p:spPr>
             <a:xfrm>
-              <a:off x="3478207" y="2120696"/>
+              <a:off x="3476464" y="2121224"/>
               <a:ext cx="12660" cy="33178"/>
             </a:xfrm>
             <a:custGeom>
@@ -35782,7 +35782,7 @@
           </p:nvSpPr>
           <p:spPr>
             <a:xfrm>
-              <a:off x="3509640" y="2858529"/>
+              <a:off x="3507896" y="2861698"/>
               <a:ext cx="34794" cy="0"/>
             </a:xfrm>
             <a:custGeom>
@@ -35822,7 +35822,7 @@
           </p:nvSpPr>
           <p:spPr>
             <a:xfrm>
-              <a:off x="3509640" y="2621016"/>
+              <a:off x="3507896" y="2623304"/>
               <a:ext cx="34794" cy="0"/>
             </a:xfrm>
             <a:custGeom>
@@ -35862,7 +35862,7 @@
           </p:nvSpPr>
           <p:spPr>
             <a:xfrm>
-              <a:off x="3509640" y="2383502"/>
+              <a:off x="3507896" y="2384911"/>
               <a:ext cx="34794" cy="0"/>
             </a:xfrm>
             <a:custGeom>
@@ -35902,7 +35902,7 @@
           </p:nvSpPr>
           <p:spPr>
             <a:xfrm>
-              <a:off x="3509640" y="2145989"/>
+              <a:off x="3507896" y="2146517"/>
               <a:ext cx="34794" cy="0"/>
             </a:xfrm>
             <a:custGeom>
@@ -35942,7 +35942,7 @@
           </p:nvSpPr>
           <p:spPr>
             <a:xfrm>
-              <a:off x="3544434" y="3001037"/>
+              <a:off x="3542691" y="3004734"/>
               <a:ext cx="0" cy="34794"/>
             </a:xfrm>
             <a:custGeom>
@@ -35982,7 +35982,7 @@
           </p:nvSpPr>
           <p:spPr>
             <a:xfrm>
-              <a:off x="4002977" y="3001037"/>
+              <a:off x="4001634" y="3004734"/>
               <a:ext cx="0" cy="34794"/>
             </a:xfrm>
             <a:custGeom>
@@ -36022,7 +36022,7 @@
           </p:nvSpPr>
           <p:spPr>
             <a:xfrm>
-              <a:off x="4461520" y="3001037"/>
+              <a:off x="4460577" y="3004734"/>
               <a:ext cx="0" cy="34794"/>
             </a:xfrm>
             <a:custGeom>
@@ -36062,7 +36062,7 @@
           </p:nvSpPr>
           <p:spPr>
             <a:xfrm>
-              <a:off x="4920062" y="3001037"/>
+              <a:off x="4919520" y="3004734"/>
               <a:ext cx="0" cy="34794"/>
             </a:xfrm>
             <a:custGeom>
@@ -36102,7 +36102,7 @@
           </p:nvSpPr>
           <p:spPr>
             <a:xfrm>
-              <a:off x="5378605" y="3001037"/>
+              <a:off x="5378463" y="3004734"/>
               <a:ext cx="0" cy="34794"/>
             </a:xfrm>
             <a:custGeom>
@@ -36142,7 +36142,7 @@
           </p:nvSpPr>
           <p:spPr>
             <a:xfrm>
-              <a:off x="3517722" y="3062521"/>
+              <a:off x="3515979" y="3066218"/>
               <a:ext cx="53424" cy="79126"/>
             </a:xfrm>
             <a:custGeom>
@@ -36653,7 +36653,7 @@
           </p:nvSpPr>
           <p:spPr>
             <a:xfrm>
-              <a:off x="3527654" y="3070488"/>
+              <a:off x="3525910" y="3074185"/>
               <a:ext cx="33506" cy="63137"/>
             </a:xfrm>
             <a:custGeom>
@@ -37164,7 +37164,7 @@
           </p:nvSpPr>
           <p:spPr>
             <a:xfrm>
-              <a:off x="3915364" y="3062521"/>
+              <a:off x="3914021" y="3066218"/>
               <a:ext cx="50914" cy="78035"/>
             </a:xfrm>
             <a:custGeom>
@@ -38110,7 +38110,7 @@
           </p:nvSpPr>
           <p:spPr>
             <a:xfrm>
-              <a:off x="3976374" y="3063667"/>
+              <a:off x="3975031" y="3067364"/>
               <a:ext cx="52987" cy="77980"/>
             </a:xfrm>
             <a:custGeom>
@@ -39062,7 +39062,7 @@
           </p:nvSpPr>
           <p:spPr>
             <a:xfrm>
-              <a:off x="4038420" y="3062521"/>
+              <a:off x="4037077" y="3066218"/>
               <a:ext cx="53424" cy="79126"/>
             </a:xfrm>
             <a:custGeom>
@@ -39573,7 +39573,7 @@
           </p:nvSpPr>
           <p:spPr>
             <a:xfrm>
-              <a:off x="4048352" y="3070488"/>
+              <a:off x="4047009" y="3074185"/>
               <a:ext cx="33506" cy="63137"/>
             </a:xfrm>
             <a:custGeom>
@@ -40084,7 +40084,7 @@
           </p:nvSpPr>
           <p:spPr>
             <a:xfrm>
-              <a:off x="4372761" y="3063667"/>
+              <a:off x="4371818" y="3067364"/>
               <a:ext cx="52987" cy="77980"/>
             </a:xfrm>
             <a:custGeom>
@@ -41036,7 +41036,7 @@
           </p:nvSpPr>
           <p:spPr>
             <a:xfrm>
-              <a:off x="4434807" y="3062521"/>
+              <a:off x="4433865" y="3066218"/>
               <a:ext cx="53424" cy="79126"/>
             </a:xfrm>
             <a:custGeom>
@@ -41547,7 +41547,7 @@
           </p:nvSpPr>
           <p:spPr>
             <a:xfrm>
-              <a:off x="4444739" y="3070488"/>
+              <a:off x="4443797" y="3074185"/>
               <a:ext cx="33506" cy="63137"/>
             </a:xfrm>
             <a:custGeom>
@@ -42058,7 +42058,7 @@
           </p:nvSpPr>
           <p:spPr>
             <a:xfrm>
-              <a:off x="4496963" y="3062521"/>
+              <a:off x="4496020" y="3066218"/>
               <a:ext cx="53424" cy="79126"/>
             </a:xfrm>
             <a:custGeom>
@@ -42569,7 +42569,7 @@
           </p:nvSpPr>
           <p:spPr>
             <a:xfrm>
-              <a:off x="4506895" y="3070488"/>
+              <a:off x="4505952" y="3074185"/>
               <a:ext cx="33506" cy="63137"/>
             </a:xfrm>
             <a:custGeom>
@@ -43080,7 +43080,7 @@
           </p:nvSpPr>
           <p:spPr>
             <a:xfrm>
-              <a:off x="4832559" y="3063667"/>
+              <a:off x="4832017" y="3067364"/>
               <a:ext cx="50804" cy="76889"/>
             </a:xfrm>
             <a:custGeom>
@@ -43366,7 +43366,7 @@
           </p:nvSpPr>
           <p:spPr>
             <a:xfrm>
-              <a:off x="4893459" y="3063667"/>
+              <a:off x="4892917" y="3067364"/>
               <a:ext cx="52987" cy="77980"/>
             </a:xfrm>
             <a:custGeom>
@@ -44318,7 +44318,7 @@
           </p:nvSpPr>
           <p:spPr>
             <a:xfrm>
-              <a:off x="4955506" y="3062521"/>
+              <a:off x="4954964" y="3066218"/>
               <a:ext cx="53424" cy="79126"/>
             </a:xfrm>
             <a:custGeom>
@@ -44829,7 +44829,7 @@
           </p:nvSpPr>
           <p:spPr>
             <a:xfrm>
-              <a:off x="4965437" y="3070488"/>
+              <a:off x="4964895" y="3074185"/>
               <a:ext cx="33506" cy="63137"/>
             </a:xfrm>
             <a:custGeom>
@@ -45340,7 +45340,7 @@
           </p:nvSpPr>
           <p:spPr>
             <a:xfrm>
-              <a:off x="5262807" y="3063667"/>
+              <a:off x="5262665" y="3067364"/>
               <a:ext cx="48185" cy="76889"/>
             </a:xfrm>
             <a:custGeom>
@@ -45404,7 +45404,7 @@
           </p:nvSpPr>
           <p:spPr>
             <a:xfrm>
-              <a:off x="5320815" y="3062521"/>
+              <a:off x="5320673" y="3066218"/>
               <a:ext cx="53424" cy="79126"/>
             </a:xfrm>
             <a:custGeom>
@@ -45915,7 +45915,7 @@
           </p:nvSpPr>
           <p:spPr>
             <a:xfrm>
-              <a:off x="5330747" y="3070488"/>
+              <a:off x="5330605" y="3074185"/>
               <a:ext cx="33506" cy="63137"/>
             </a:xfrm>
             <a:custGeom>
@@ -46426,7 +46426,7 @@
           </p:nvSpPr>
           <p:spPr>
             <a:xfrm>
-              <a:off x="5382970" y="3062521"/>
+              <a:off x="5382829" y="3066218"/>
               <a:ext cx="53424" cy="79126"/>
             </a:xfrm>
             <a:custGeom>
@@ -46937,7 +46937,7 @@
           </p:nvSpPr>
           <p:spPr>
             <a:xfrm>
-              <a:off x="5392902" y="3070488"/>
+              <a:off x="5392761" y="3074185"/>
               <a:ext cx="33506" cy="63137"/>
             </a:xfrm>
             <a:custGeom>
@@ -47448,7 +47448,7 @@
           </p:nvSpPr>
           <p:spPr>
             <a:xfrm>
-              <a:off x="5445126" y="3062521"/>
+              <a:off x="5444985" y="3066218"/>
               <a:ext cx="53424" cy="79126"/>
             </a:xfrm>
             <a:custGeom>
@@ -47959,7 +47959,7 @@
           </p:nvSpPr>
           <p:spPr>
             <a:xfrm>
-              <a:off x="5455058" y="3070488"/>
+              <a:off x="5454916" y="3074185"/>
               <a:ext cx="33506" cy="63137"/>
             </a:xfrm>
             <a:custGeom>
